--- a/docs/Event-Mar-19-2022.pptx
+++ b/docs/Event-Mar-19-2022.pptx
@@ -10,10 +10,11 @@
     <p:sldId id="261" r:id="rId4"/>
     <p:sldId id="268" r:id="rId5"/>
     <p:sldId id="269" r:id="rId6"/>
-    <p:sldId id="265" r:id="rId7"/>
-    <p:sldId id="262" r:id="rId8"/>
-    <p:sldId id="267" r:id="rId9"/>
-    <p:sldId id="263" r:id="rId10"/>
+    <p:sldId id="270" r:id="rId7"/>
+    <p:sldId id="265" r:id="rId8"/>
+    <p:sldId id="262" r:id="rId9"/>
+    <p:sldId id="267" r:id="rId10"/>
+    <p:sldId id="263" r:id="rId11"/>
   </p:sldIdLst>
   <p:sldSz cx="12192000" cy="6858000"/>
   <p:notesSz cx="6858000" cy="9144000"/>
@@ -126,6 +127,7 @@
             <p14:sldId id="261"/>
             <p14:sldId id="268"/>
             <p14:sldId id="269"/>
+            <p14:sldId id="270"/>
             <p14:sldId id="265"/>
             <p14:sldId id="262"/>
             <p14:sldId id="267"/>
@@ -272,7 +274,7 @@
           <a:p>
             <a:fld id="{B5A4C1B7-EA38-4983-80FB-BAEF7D0221A1}" type="datetimeFigureOut">
               <a:rPr lang="en-US" smtClean="0"/>
-              <a:t>3/18/2022</a:t>
+              <a:t>3/19/2022</a:t>
             </a:fld>
             <a:endParaRPr lang="en-US" dirty="0"/>
           </a:p>
@@ -442,7 +444,7 @@
           <a:p>
             <a:fld id="{B5A4C1B7-EA38-4983-80FB-BAEF7D0221A1}" type="datetimeFigureOut">
               <a:rPr lang="en-US" smtClean="0"/>
-              <a:t>3/18/2022</a:t>
+              <a:t>3/19/2022</a:t>
             </a:fld>
             <a:endParaRPr lang="en-US" dirty="0"/>
           </a:p>
@@ -622,7 +624,7 @@
           <a:p>
             <a:fld id="{B5A4C1B7-EA38-4983-80FB-BAEF7D0221A1}" type="datetimeFigureOut">
               <a:rPr lang="en-US" smtClean="0"/>
-              <a:t>3/18/2022</a:t>
+              <a:t>3/19/2022</a:t>
             </a:fld>
             <a:endParaRPr lang="en-US" dirty="0"/>
           </a:p>
@@ -792,7 +794,7 @@
           <a:p>
             <a:fld id="{B5A4C1B7-EA38-4983-80FB-BAEF7D0221A1}" type="datetimeFigureOut">
               <a:rPr lang="en-US" smtClean="0"/>
-              <a:t>3/18/2022</a:t>
+              <a:t>3/19/2022</a:t>
             </a:fld>
             <a:endParaRPr lang="en-US" dirty="0"/>
           </a:p>
@@ -1038,7 +1040,7 @@
           <a:p>
             <a:fld id="{B5A4C1B7-EA38-4983-80FB-BAEF7D0221A1}" type="datetimeFigureOut">
               <a:rPr lang="en-US" smtClean="0"/>
-              <a:t>3/18/2022</a:t>
+              <a:t>3/19/2022</a:t>
             </a:fld>
             <a:endParaRPr lang="en-US" dirty="0"/>
           </a:p>
@@ -1270,7 +1272,7 @@
           <a:p>
             <a:fld id="{B5A4C1B7-EA38-4983-80FB-BAEF7D0221A1}" type="datetimeFigureOut">
               <a:rPr lang="en-US" smtClean="0"/>
-              <a:t>3/18/2022</a:t>
+              <a:t>3/19/2022</a:t>
             </a:fld>
             <a:endParaRPr lang="en-US" dirty="0"/>
           </a:p>
@@ -1637,7 +1639,7 @@
           <a:p>
             <a:fld id="{B5A4C1B7-EA38-4983-80FB-BAEF7D0221A1}" type="datetimeFigureOut">
               <a:rPr lang="en-US" smtClean="0"/>
-              <a:t>3/18/2022</a:t>
+              <a:t>3/19/2022</a:t>
             </a:fld>
             <a:endParaRPr lang="en-US" dirty="0"/>
           </a:p>
@@ -1755,7 +1757,7 @@
           <a:p>
             <a:fld id="{B5A4C1B7-EA38-4983-80FB-BAEF7D0221A1}" type="datetimeFigureOut">
               <a:rPr lang="en-US" smtClean="0"/>
-              <a:t>3/18/2022</a:t>
+              <a:t>3/19/2022</a:t>
             </a:fld>
             <a:endParaRPr lang="en-US" dirty="0"/>
           </a:p>
@@ -1850,7 +1852,7 @@
           <a:p>
             <a:fld id="{B5A4C1B7-EA38-4983-80FB-BAEF7D0221A1}" type="datetimeFigureOut">
               <a:rPr lang="en-US" smtClean="0"/>
-              <a:t>3/18/2022</a:t>
+              <a:t>3/19/2022</a:t>
             </a:fld>
             <a:endParaRPr lang="en-US" dirty="0"/>
           </a:p>
@@ -2127,7 +2129,7 @@
           <a:p>
             <a:fld id="{B5A4C1B7-EA38-4983-80FB-BAEF7D0221A1}" type="datetimeFigureOut">
               <a:rPr lang="en-US" smtClean="0"/>
-              <a:t>3/18/2022</a:t>
+              <a:t>3/19/2022</a:t>
             </a:fld>
             <a:endParaRPr lang="en-US" dirty="0"/>
           </a:p>
@@ -2383,7 +2385,7 @@
           <a:p>
             <a:fld id="{B5A4C1B7-EA38-4983-80FB-BAEF7D0221A1}" type="datetimeFigureOut">
               <a:rPr lang="en-US" smtClean="0"/>
-              <a:t>3/18/2022</a:t>
+              <a:t>3/19/2022</a:t>
             </a:fld>
             <a:endParaRPr lang="en-US" dirty="0"/>
           </a:p>
@@ -2596,7 +2598,7 @@
           <a:p>
             <a:fld id="{B5A4C1B7-EA38-4983-80FB-BAEF7D0221A1}" type="datetimeFigureOut">
               <a:rPr lang="en-US" smtClean="0"/>
-              <a:t>3/18/2022</a:t>
+              <a:t>3/19/2022</a:t>
             </a:fld>
             <a:endParaRPr lang="en-US" dirty="0"/>
           </a:p>
@@ -4832,6 +4834,649 @@
     <p:extLst>
       <p:ext uri="{BB962C8B-B14F-4D97-AF65-F5344CB8AC3E}">
         <p14:creationId xmlns:p14="http://schemas.microsoft.com/office/powerpoint/2010/main" val="3084987375"/>
+      </p:ext>
+    </p:extLst>
+  </p:cSld>
+  <p:clrMapOvr>
+    <a:masterClrMapping/>
+  </p:clrMapOvr>
+</p:sld>
+</file>
+
+<file path=ppt/slides/slide10.xml><?xml version="1.0" encoding="utf-8"?>
+<p:sld xmlns:a="http://schemas.openxmlformats.org/drawingml/2006/main" xmlns:r="http://schemas.openxmlformats.org/officeDocument/2006/relationships" xmlns:p="http://schemas.openxmlformats.org/presentationml/2006/main">
+  <p:cSld>
+    <p:bg>
+      <p:bgPr>
+        <a:solidFill>
+          <a:schemeClr val="tx2"/>
+        </a:solidFill>
+        <a:effectLst/>
+      </p:bgPr>
+    </p:bg>
+    <p:spTree>
+      <p:nvGrpSpPr>
+        <p:cNvPr id="1" name=""/>
+        <p:cNvGrpSpPr/>
+        <p:nvPr/>
+      </p:nvGrpSpPr>
+      <p:grpSpPr>
+        <a:xfrm>
+          <a:off x="0" y="0"/>
+          <a:ext cx="0" cy="0"/>
+          <a:chOff x="0" y="0"/>
+          <a:chExt cx="0" cy="0"/>
+        </a:xfrm>
+      </p:grpSpPr>
+      <p:sp>
+        <p:nvSpPr>
+          <p:cNvPr id="50" name="Rectangle 49">
+            <a:extLst>
+              <a:ext uri="{FF2B5EF4-FFF2-40B4-BE49-F238E27FC236}">
+                <a16:creationId xmlns:a16="http://schemas.microsoft.com/office/drawing/2014/main" id="{39558A2F-799C-45B0-8E6E-60E7AEBB1296}"/>
+              </a:ext>
+            </a:extLst>
+          </p:cNvPr>
+          <p:cNvSpPr/>
+          <p:nvPr/>
+        </p:nvSpPr>
+        <p:spPr>
+          <a:xfrm>
+            <a:off x="2439924" y="6578102"/>
+            <a:ext cx="2432304" cy="274320"/>
+          </a:xfrm>
+          <a:prstGeom prst="rect">
+            <a:avLst/>
+          </a:prstGeom>
+          <a:solidFill>
+            <a:schemeClr val="accent2"/>
+          </a:solidFill>
+          <a:ln>
+            <a:solidFill>
+              <a:schemeClr val="accent2"/>
+            </a:solidFill>
+          </a:ln>
+        </p:spPr>
+        <p:style>
+          <a:lnRef idx="2">
+            <a:schemeClr val="accent1">
+              <a:shade val="50000"/>
+            </a:schemeClr>
+          </a:lnRef>
+          <a:fillRef idx="1">
+            <a:schemeClr val="accent1"/>
+          </a:fillRef>
+          <a:effectRef idx="0">
+            <a:schemeClr val="accent1"/>
+          </a:effectRef>
+          <a:fontRef idx="minor">
+            <a:schemeClr val="lt1"/>
+          </a:fontRef>
+        </p:style>
+        <p:txBody>
+          <a:bodyPr rtlCol="0" anchor="ctr"/>
+          <a:lstStyle/>
+          <a:p>
+            <a:pPr algn="ctr"/>
+            <a:endParaRPr lang="en-US" dirty="0"/>
+          </a:p>
+        </p:txBody>
+      </p:sp>
+      <p:sp>
+        <p:nvSpPr>
+          <p:cNvPr id="48" name="Rectangle 47">
+            <a:extLst>
+              <a:ext uri="{FF2B5EF4-FFF2-40B4-BE49-F238E27FC236}">
+                <a16:creationId xmlns:a16="http://schemas.microsoft.com/office/drawing/2014/main" id="{C401FF64-9330-421B-A5E3-17BDA32BC502}"/>
+              </a:ext>
+            </a:extLst>
+          </p:cNvPr>
+          <p:cNvSpPr/>
+          <p:nvPr/>
+        </p:nvSpPr>
+        <p:spPr>
+          <a:xfrm>
+            <a:off x="0" y="6578102"/>
+            <a:ext cx="2432304" cy="274320"/>
+          </a:xfrm>
+          <a:prstGeom prst="rect">
+            <a:avLst/>
+          </a:prstGeom>
+          <a:ln>
+            <a:solidFill>
+              <a:schemeClr val="accent1"/>
+            </a:solidFill>
+          </a:ln>
+        </p:spPr>
+        <p:style>
+          <a:lnRef idx="2">
+            <a:schemeClr val="accent1">
+              <a:shade val="50000"/>
+            </a:schemeClr>
+          </a:lnRef>
+          <a:fillRef idx="1">
+            <a:schemeClr val="accent1"/>
+          </a:fillRef>
+          <a:effectRef idx="0">
+            <a:schemeClr val="accent1"/>
+          </a:effectRef>
+          <a:fontRef idx="minor">
+            <a:schemeClr val="lt1"/>
+          </a:fontRef>
+        </p:style>
+        <p:txBody>
+          <a:bodyPr rtlCol="0" anchor="ctr"/>
+          <a:lstStyle/>
+          <a:p>
+            <a:pPr algn="ctr"/>
+            <a:endParaRPr lang="en-US" dirty="0"/>
+          </a:p>
+        </p:txBody>
+      </p:sp>
+      <p:sp>
+        <p:nvSpPr>
+          <p:cNvPr id="52" name="Rectangle 51">
+            <a:extLst>
+              <a:ext uri="{FF2B5EF4-FFF2-40B4-BE49-F238E27FC236}">
+                <a16:creationId xmlns:a16="http://schemas.microsoft.com/office/drawing/2014/main" id="{BE564532-F536-4FA6-8777-87BE7FC43341}"/>
+              </a:ext>
+            </a:extLst>
+          </p:cNvPr>
+          <p:cNvSpPr/>
+          <p:nvPr/>
+        </p:nvSpPr>
+        <p:spPr>
+          <a:xfrm>
+            <a:off x="4879848" y="6578102"/>
+            <a:ext cx="2432304" cy="274320"/>
+          </a:xfrm>
+          <a:prstGeom prst="rect">
+            <a:avLst/>
+          </a:prstGeom>
+          <a:solidFill>
+            <a:schemeClr val="accent3"/>
+          </a:solidFill>
+          <a:ln>
+            <a:solidFill>
+              <a:schemeClr val="accent3"/>
+            </a:solidFill>
+          </a:ln>
+        </p:spPr>
+        <p:style>
+          <a:lnRef idx="2">
+            <a:schemeClr val="accent1">
+              <a:shade val="50000"/>
+            </a:schemeClr>
+          </a:lnRef>
+          <a:fillRef idx="1">
+            <a:schemeClr val="accent1"/>
+          </a:fillRef>
+          <a:effectRef idx="0">
+            <a:schemeClr val="accent1"/>
+          </a:effectRef>
+          <a:fontRef idx="minor">
+            <a:schemeClr val="lt1"/>
+          </a:fontRef>
+        </p:style>
+        <p:txBody>
+          <a:bodyPr rtlCol="0" anchor="ctr"/>
+          <a:lstStyle/>
+          <a:p>
+            <a:pPr algn="ctr"/>
+            <a:endParaRPr lang="en-US" dirty="0"/>
+          </a:p>
+        </p:txBody>
+      </p:sp>
+      <p:sp>
+        <p:nvSpPr>
+          <p:cNvPr id="54" name="Rectangle 53">
+            <a:extLst>
+              <a:ext uri="{FF2B5EF4-FFF2-40B4-BE49-F238E27FC236}">
+                <a16:creationId xmlns:a16="http://schemas.microsoft.com/office/drawing/2014/main" id="{1D869553-6FA0-4150-9086-CD4CD08A85B2}"/>
+              </a:ext>
+            </a:extLst>
+          </p:cNvPr>
+          <p:cNvSpPr/>
+          <p:nvPr/>
+        </p:nvSpPr>
+        <p:spPr>
+          <a:xfrm>
+            <a:off x="7319772" y="6578102"/>
+            <a:ext cx="2432304" cy="274320"/>
+          </a:xfrm>
+          <a:prstGeom prst="rect">
+            <a:avLst/>
+          </a:prstGeom>
+          <a:solidFill>
+            <a:schemeClr val="accent4"/>
+          </a:solidFill>
+          <a:ln>
+            <a:solidFill>
+              <a:schemeClr val="accent4"/>
+            </a:solidFill>
+          </a:ln>
+        </p:spPr>
+        <p:style>
+          <a:lnRef idx="2">
+            <a:schemeClr val="accent1">
+              <a:shade val="50000"/>
+            </a:schemeClr>
+          </a:lnRef>
+          <a:fillRef idx="1">
+            <a:schemeClr val="accent1"/>
+          </a:fillRef>
+          <a:effectRef idx="0">
+            <a:schemeClr val="accent1"/>
+          </a:effectRef>
+          <a:fontRef idx="minor">
+            <a:schemeClr val="lt1"/>
+          </a:fontRef>
+        </p:style>
+        <p:txBody>
+          <a:bodyPr rtlCol="0" anchor="ctr"/>
+          <a:lstStyle/>
+          <a:p>
+            <a:pPr algn="ctr"/>
+            <a:endParaRPr lang="en-US" dirty="0"/>
+          </a:p>
+        </p:txBody>
+      </p:sp>
+      <p:sp>
+        <p:nvSpPr>
+          <p:cNvPr id="56" name="Rectangle 55">
+            <a:extLst>
+              <a:ext uri="{FF2B5EF4-FFF2-40B4-BE49-F238E27FC236}">
+                <a16:creationId xmlns:a16="http://schemas.microsoft.com/office/drawing/2014/main" id="{1DE3E71E-06A1-4094-93E0-63110D411011}"/>
+              </a:ext>
+            </a:extLst>
+          </p:cNvPr>
+          <p:cNvSpPr/>
+          <p:nvPr/>
+        </p:nvSpPr>
+        <p:spPr>
+          <a:xfrm>
+            <a:off x="9759696" y="6578102"/>
+            <a:ext cx="2432304" cy="274320"/>
+          </a:xfrm>
+          <a:prstGeom prst="rect">
+            <a:avLst/>
+          </a:prstGeom>
+          <a:solidFill>
+            <a:schemeClr val="accent5"/>
+          </a:solidFill>
+          <a:ln>
+            <a:solidFill>
+              <a:schemeClr val="accent5"/>
+            </a:solidFill>
+          </a:ln>
+        </p:spPr>
+        <p:style>
+          <a:lnRef idx="2">
+            <a:schemeClr val="accent1">
+              <a:shade val="50000"/>
+            </a:schemeClr>
+          </a:lnRef>
+          <a:fillRef idx="1">
+            <a:schemeClr val="accent1"/>
+          </a:fillRef>
+          <a:effectRef idx="0">
+            <a:schemeClr val="accent1"/>
+          </a:effectRef>
+          <a:fontRef idx="minor">
+            <a:schemeClr val="lt1"/>
+          </a:fontRef>
+        </p:style>
+        <p:txBody>
+          <a:bodyPr rtlCol="0" anchor="ctr"/>
+          <a:lstStyle/>
+          <a:p>
+            <a:pPr algn="ctr"/>
+            <a:endParaRPr lang="en-US" dirty="0"/>
+          </a:p>
+        </p:txBody>
+      </p:sp>
+      <p:sp>
+        <p:nvSpPr>
+          <p:cNvPr id="58" name="Rectangle 57">
+            <a:extLst>
+              <a:ext uri="{FF2B5EF4-FFF2-40B4-BE49-F238E27FC236}">
+                <a16:creationId xmlns:a16="http://schemas.microsoft.com/office/drawing/2014/main" id="{77D687CE-23B2-4F39-AF5B-60A4BDC7A993}"/>
+              </a:ext>
+            </a:extLst>
+          </p:cNvPr>
+          <p:cNvSpPr/>
+          <p:nvPr/>
+        </p:nvSpPr>
+        <p:spPr bwMode="auto">
+          <a:xfrm>
+            <a:off x="10051664" y="6074405"/>
+            <a:ext cx="2013336" cy="467046"/>
+          </a:xfrm>
+          <a:prstGeom prst="rect">
+            <a:avLst/>
+          </a:prstGeom>
+          <a:noFill/>
+          <a:ln>
+            <a:noFill/>
+            <a:headEnd type="none" w="med" len="med"/>
+            <a:tailEnd type="none" w="med" len="med"/>
+          </a:ln>
+          <a:effectLst/>
+        </p:spPr>
+        <p:style>
+          <a:lnRef idx="1">
+            <a:schemeClr val="accent2"/>
+          </a:lnRef>
+          <a:fillRef idx="3">
+            <a:schemeClr val="accent2"/>
+          </a:fillRef>
+          <a:effectRef idx="2">
+            <a:schemeClr val="accent2"/>
+          </a:effectRef>
+          <a:fontRef idx="minor">
+            <a:schemeClr val="lt1"/>
+          </a:fontRef>
+        </p:style>
+        <p:txBody>
+          <a:bodyPr rot="0" spcFirstLastPara="0" vertOverflow="overflow" horzOverflow="overflow" vert="horz" wrap="square" lIns="0" tIns="0" rIns="0" bIns="0" numCol="1" spcCol="0" rtlCol="0" fromWordArt="0" anchor="t" anchorCtr="0" forceAA="0" compatLnSpc="1">
+            <a:prstTxWarp prst="textNoShape">
+              <a:avLst/>
+            </a:prstTxWarp>
+            <a:noAutofit/>
+          </a:bodyPr>
+          <a:lstStyle/>
+          <a:p>
+            <a:pPr algn="r" defTabSz="405282" fontAlgn="base">
+              <a:spcBef>
+                <a:spcPct val="0"/>
+              </a:spcBef>
+              <a:spcAft>
+                <a:spcPct val="0"/>
+              </a:spcAft>
+              <a:defRPr/>
+            </a:pPr>
+            <a:r>
+              <a:rPr lang="en-US" sz="1200" dirty="0">
+                <a:solidFill>
+                  <a:schemeClr val="bg1">
+                    <a:lumMod val="75000"/>
+                  </a:schemeClr>
+                </a:solidFill>
+                <a:latin typeface="Segoe UI Semibold"/>
+                <a:ea typeface="Segoe UI" pitchFamily="34" charset="0"/>
+                <a:cs typeface="Segoe UI"/>
+              </a:rPr>
+              <a:t>#D365PPVN</a:t>
+            </a:r>
+          </a:p>
+          <a:p>
+            <a:pPr algn="r" defTabSz="405282" fontAlgn="base">
+              <a:spcBef>
+                <a:spcPct val="0"/>
+              </a:spcBef>
+              <a:spcAft>
+                <a:spcPct val="0"/>
+              </a:spcAft>
+              <a:defRPr/>
+            </a:pPr>
+            <a:r>
+              <a:rPr lang="en-US" sz="1200" dirty="0">
+                <a:solidFill>
+                  <a:schemeClr val="bg1">
+                    <a:lumMod val="75000"/>
+                  </a:schemeClr>
+                </a:solidFill>
+                <a:latin typeface="Segoe UI Semibold"/>
+                <a:ea typeface="Segoe UI" pitchFamily="34" charset="0"/>
+                <a:cs typeface="Segoe UI"/>
+              </a:rPr>
+              <a:t>#ASEANSMSBizAppsUG</a:t>
+            </a:r>
+          </a:p>
+        </p:txBody>
+      </p:sp>
+      <p:sp>
+        <p:nvSpPr>
+          <p:cNvPr id="3" name="Rectangle 2">
+            <a:extLst>
+              <a:ext uri="{FF2B5EF4-FFF2-40B4-BE49-F238E27FC236}">
+                <a16:creationId xmlns:a16="http://schemas.microsoft.com/office/drawing/2014/main" id="{6C188753-7F27-499A-A7C9-3E73FE2504B0}"/>
+              </a:ext>
+            </a:extLst>
+          </p:cNvPr>
+          <p:cNvSpPr/>
+          <p:nvPr/>
+        </p:nvSpPr>
+        <p:spPr bwMode="auto">
+          <a:xfrm>
+            <a:off x="2286340" y="1697082"/>
+            <a:ext cx="7377095" cy="2317799"/>
+          </a:xfrm>
+          <a:prstGeom prst="rect">
+            <a:avLst/>
+          </a:prstGeom>
+          <a:noFill/>
+          <a:ln>
+            <a:noFill/>
+            <a:headEnd type="none" w="med" len="med"/>
+            <a:tailEnd type="none" w="med" len="med"/>
+          </a:ln>
+          <a:effectLst/>
+        </p:spPr>
+        <p:style>
+          <a:lnRef idx="1">
+            <a:schemeClr val="accent2"/>
+          </a:lnRef>
+          <a:fillRef idx="3">
+            <a:schemeClr val="accent2"/>
+          </a:fillRef>
+          <a:effectRef idx="2">
+            <a:schemeClr val="accent2"/>
+          </a:effectRef>
+          <a:fontRef idx="minor">
+            <a:schemeClr val="lt1"/>
+          </a:fontRef>
+        </p:style>
+        <p:txBody>
+          <a:bodyPr rot="0" spcFirstLastPara="0" vertOverflow="overflow" horzOverflow="overflow" vert="horz" wrap="square" lIns="0" tIns="0" rIns="0" bIns="0" numCol="1" spcCol="0" rtlCol="0" fromWordArt="0" anchor="t" anchorCtr="0" forceAA="0" compatLnSpc="1">
+            <a:prstTxWarp prst="textNoShape">
+              <a:avLst/>
+            </a:prstTxWarp>
+            <a:noAutofit/>
+          </a:bodyPr>
+          <a:lstStyle/>
+          <a:p>
+            <a:pPr algn="ctr" defTabSz="405282" fontAlgn="base">
+              <a:lnSpc>
+                <a:spcPct val="150000"/>
+              </a:lnSpc>
+              <a:spcBef>
+                <a:spcPct val="0"/>
+              </a:spcBef>
+              <a:spcAft>
+                <a:spcPct val="0"/>
+              </a:spcAft>
+              <a:defRPr/>
+            </a:pPr>
+            <a:r>
+              <a:rPr lang="en-US" sz="9600" dirty="0">
+                <a:solidFill>
+                  <a:schemeClr val="bg1"/>
+                </a:solidFill>
+                <a:latin typeface="Segoe UI Semibold"/>
+                <a:ea typeface="Segoe UI" pitchFamily="34" charset="0"/>
+                <a:cs typeface="Segoe UI"/>
+              </a:rPr>
+              <a:t>THANK YOU!</a:t>
+            </a:r>
+            <a:endParaRPr lang="en-US" sz="9600" b="1" dirty="0">
+              <a:solidFill>
+                <a:schemeClr val="bg1"/>
+              </a:solidFill>
+              <a:latin typeface="Segoe UI"/>
+              <a:ea typeface="Segoe UI" pitchFamily="34" charset="0"/>
+              <a:cs typeface="Segoe UI"/>
+            </a:endParaRPr>
+          </a:p>
+        </p:txBody>
+      </p:sp>
+      <p:pic>
+        <p:nvPicPr>
+          <p:cNvPr id="4" name="Picture 3">
+            <a:extLst>
+              <a:ext uri="{FF2B5EF4-FFF2-40B4-BE49-F238E27FC236}">
+                <a16:creationId xmlns:a16="http://schemas.microsoft.com/office/drawing/2014/main" id="{DB82DB2E-16CB-4ECF-ACA3-B2AD3598598D}"/>
+              </a:ext>
+            </a:extLst>
+          </p:cNvPr>
+          <p:cNvPicPr>
+            <a:picLocks noChangeAspect="1"/>
+          </p:cNvPicPr>
+          <p:nvPr/>
+        </p:nvPicPr>
+        <p:blipFill rotWithShape="1">
+          <a:blip r:embed="rId2" cstate="screen">
+            <a:extLst>
+              <a:ext uri="{28A0092B-C50C-407E-A947-70E740481C1C}">
+                <a14:useLocalDpi xmlns:a14="http://schemas.microsoft.com/office/drawing/2010/main"/>
+              </a:ext>
+            </a:extLst>
+          </a:blip>
+          <a:srcRect/>
+          <a:stretch/>
+        </p:blipFill>
+        <p:spPr>
+          <a:xfrm>
+            <a:off x="213678" y="266383"/>
+            <a:ext cx="1310322" cy="279354"/>
+          </a:xfrm>
+          <a:prstGeom prst="rect">
+            <a:avLst/>
+          </a:prstGeom>
+        </p:spPr>
+      </p:pic>
+      <p:pic>
+        <p:nvPicPr>
+          <p:cNvPr id="5" name="Picture 4" descr="A picture containing drawing&#10;&#10;Description automatically generated">
+            <a:extLst>
+              <a:ext uri="{FF2B5EF4-FFF2-40B4-BE49-F238E27FC236}">
+                <a16:creationId xmlns:a16="http://schemas.microsoft.com/office/drawing/2014/main" id="{EA425476-5861-417B-B35F-11E52EB16FDF}"/>
+              </a:ext>
+            </a:extLst>
+          </p:cNvPr>
+          <p:cNvPicPr>
+            <a:picLocks noChangeAspect="1"/>
+          </p:cNvPicPr>
+          <p:nvPr/>
+        </p:nvPicPr>
+        <p:blipFill>
+          <a:blip r:embed="rId3">
+            <a:extLst>
+              <a:ext uri="{28A0092B-C50C-407E-A947-70E740481C1C}">
+                <a14:useLocalDpi xmlns:a14="http://schemas.microsoft.com/office/drawing/2010/main" val="0"/>
+              </a:ext>
+            </a:extLst>
+          </a:blip>
+          <a:stretch>
+            <a:fillRect/>
+          </a:stretch>
+        </p:blipFill>
+        <p:spPr>
+          <a:xfrm>
+            <a:off x="8814972" y="262248"/>
+            <a:ext cx="339109" cy="339109"/>
+          </a:xfrm>
+          <a:prstGeom prst="rect">
+            <a:avLst/>
+          </a:prstGeom>
+        </p:spPr>
+      </p:pic>
+      <p:sp>
+        <p:nvSpPr>
+          <p:cNvPr id="6" name="Rectangle 5">
+            <a:extLst>
+              <a:ext uri="{FF2B5EF4-FFF2-40B4-BE49-F238E27FC236}">
+                <a16:creationId xmlns:a16="http://schemas.microsoft.com/office/drawing/2014/main" id="{6D02373D-5730-413C-BC44-6E27BBF6BF7E}"/>
+              </a:ext>
+            </a:extLst>
+          </p:cNvPr>
+          <p:cNvSpPr/>
+          <p:nvPr/>
+        </p:nvSpPr>
+        <p:spPr bwMode="auto">
+          <a:xfrm>
+            <a:off x="9122024" y="231641"/>
+            <a:ext cx="2954983" cy="470950"/>
+          </a:xfrm>
+          <a:prstGeom prst="rect">
+            <a:avLst/>
+          </a:prstGeom>
+          <a:noFill/>
+          <a:ln>
+            <a:noFill/>
+            <a:headEnd type="none" w="med" len="med"/>
+            <a:tailEnd type="none" w="med" len="med"/>
+          </a:ln>
+          <a:effectLst/>
+        </p:spPr>
+        <p:style>
+          <a:lnRef idx="1">
+            <a:schemeClr val="accent2"/>
+          </a:lnRef>
+          <a:fillRef idx="3">
+            <a:schemeClr val="accent2"/>
+          </a:fillRef>
+          <a:effectRef idx="2">
+            <a:schemeClr val="accent2"/>
+          </a:effectRef>
+          <a:fontRef idx="minor">
+            <a:schemeClr val="lt1"/>
+          </a:fontRef>
+        </p:style>
+        <p:txBody>
+          <a:bodyPr rot="0" spcFirstLastPara="0" vertOverflow="overflow" horzOverflow="overflow" vert="horz" wrap="square" lIns="0" tIns="0" rIns="0" bIns="0" numCol="1" spcCol="0" rtlCol="0" fromWordArt="0" anchor="ctr" anchorCtr="0" forceAA="0" compatLnSpc="1">
+            <a:prstTxWarp prst="textNoShape">
+              <a:avLst/>
+            </a:prstTxWarp>
+            <a:noAutofit/>
+          </a:bodyPr>
+          <a:lstStyle/>
+          <a:p>
+            <a:pPr algn="ctr" defTabSz="405282" fontAlgn="base">
+              <a:spcBef>
+                <a:spcPct val="0"/>
+              </a:spcBef>
+              <a:spcAft>
+                <a:spcPct val="0"/>
+              </a:spcAft>
+              <a:defRPr/>
+            </a:pPr>
+            <a:r>
+              <a:rPr lang="en-US" sz="1400" dirty="0">
+                <a:solidFill>
+                  <a:schemeClr val="bg1"/>
+                </a:solidFill>
+                <a:latin typeface="Segoe UI Semibold"/>
+                <a:ea typeface="Segoe UI" pitchFamily="34" charset="0"/>
+                <a:cs typeface="Segoe UI"/>
+              </a:rPr>
+              <a:t>/Dynamics365CommunityVietnam</a:t>
+            </a:r>
+            <a:endParaRPr lang="en-US" sz="1400" dirty="0">
+              <a:solidFill>
+                <a:schemeClr val="bg1"/>
+              </a:solidFill>
+              <a:latin typeface="Segoe UI Semibold"/>
+              <a:ea typeface="Segoe UI" pitchFamily="34" charset="0"/>
+              <a:cs typeface="Segoe UI" pitchFamily="34" charset="0"/>
+            </a:endParaRPr>
+          </a:p>
+        </p:txBody>
+      </p:sp>
+    </p:spTree>
+    <p:extLst>
+      <p:ext uri="{BB962C8B-B14F-4D97-AF65-F5344CB8AC3E}">
+        <p14:creationId xmlns:p14="http://schemas.microsoft.com/office/powerpoint/2010/main" val="2199273689"/>
       </p:ext>
     </p:extLst>
   </p:cSld>
@@ -8842,11 +9487,11 @@
   <p:clrMapOvr>
     <a:masterClrMapping/>
   </p:clrMapOvr>
-  <mc:AlternateContent xmlns:mc="http://schemas.openxmlformats.org/markup-compatibility/2006">
-    <mc:Choice xmlns:p14="http://schemas.microsoft.com/office/powerpoint/2010/main" Requires="p14">
+  <mc:AlternateContent xmlns:mc="http://schemas.openxmlformats.org/markup-compatibility/2006" xmlns:p14="http://schemas.microsoft.com/office/powerpoint/2010/main">
+    <mc:Choice Requires="p14">
       <p:transition p14:dur="10"/>
     </mc:Choice>
-    <mc:Fallback>
+    <mc:Fallback xmlns="">
       <p:transition/>
     </mc:Fallback>
   </mc:AlternateContent>
@@ -9876,7 +10521,7 @@
                 <a:ea typeface="Segoe UI" pitchFamily="34" charset="0"/>
                 <a:cs typeface="Segoe UI"/>
               </a:rPr>
-              <a:t>use</a:t>
+              <a:t>use with Visual Studio</a:t>
             </a:r>
             <a:endParaRPr lang="en-US" sz="2800" dirty="0">
               <a:solidFill>
@@ -10768,7 +11413,7 @@
         <p:spPr bwMode="auto">
           <a:xfrm>
             <a:off x="301359" y="107643"/>
-            <a:ext cx="9890265" cy="896247"/>
+            <a:ext cx="7377095" cy="896247"/>
           </a:xfrm>
           <a:prstGeom prst="rect">
             <a:avLst/>
@@ -10825,7 +11470,29 @@
                 <a:ea typeface="Segoe UI" pitchFamily="34" charset="0"/>
                 <a:cs typeface="Segoe UI"/>
               </a:rPr>
-              <a:t>Screenshots</a:t>
+              <a:t>How to </a:t>
+            </a:r>
+            <a:r>
+              <a:rPr lang="en-US" sz="3600" dirty="0">
+                <a:solidFill>
+                  <a:srgbClr val="FF0000"/>
+                </a:solidFill>
+                <a:latin typeface="Segoe UI Semibold"/>
+                <a:ea typeface="Segoe UI" pitchFamily="34" charset="0"/>
+                <a:cs typeface="Segoe UI"/>
+              </a:rPr>
+              <a:t>use </a:t>
+            </a:r>
+            <a:r>
+              <a:rPr lang="en-US" sz="3600" dirty="0" err="1">
+                <a:solidFill>
+                  <a:srgbClr val="FF0000"/>
+                </a:solidFill>
+                <a:latin typeface="Segoe UI Semibold"/>
+                <a:ea typeface="Segoe UI" pitchFamily="34" charset="0"/>
+                <a:cs typeface="Segoe UI"/>
+              </a:rPr>
+              <a:t>DynamicsCrm.DevKit</a:t>
             </a:r>
             <a:endParaRPr lang="en-US" sz="2800" dirty="0">
               <a:solidFill>
@@ -10888,6 +11555,193 @@
             <a:noAutofit/>
           </a:bodyPr>
           <a:lstStyle/>
+          <a:p>
+            <a:pPr marL="285750" indent="-285750" defTabSz="405282" fontAlgn="base">
+              <a:lnSpc>
+                <a:spcPct val="150000"/>
+              </a:lnSpc>
+              <a:spcBef>
+                <a:spcPct val="0"/>
+              </a:spcBef>
+              <a:spcAft>
+                <a:spcPct val="0"/>
+              </a:spcAft>
+              <a:buFont typeface="Arial" panose="020B0604020202020204" pitchFamily="34" charset="0"/>
+              <a:buChar char="•"/>
+              <a:defRPr/>
+            </a:pPr>
+            <a:r>
+              <a:rPr lang="en-US" sz="1600" dirty="0">
+                <a:solidFill>
+                  <a:schemeClr val="bg1"/>
+                </a:solidFill>
+                <a:latin typeface="Segoe UI" panose="020B0502040204020203" pitchFamily="34" charset="0"/>
+                <a:ea typeface="Segoe UI" panose="020B0502040204020203" pitchFamily="34" charset="0"/>
+                <a:cs typeface="Segoe UI" panose="020B0502040204020203" pitchFamily="34" charset="0"/>
+              </a:rPr>
+              <a:t>Create </a:t>
+            </a:r>
+            <a:r>
+              <a:rPr lang="en-US" sz="1600" dirty="0" err="1">
+                <a:solidFill>
+                  <a:schemeClr val="bg1"/>
+                </a:solidFill>
+                <a:latin typeface="Segoe UI" panose="020B0502040204020203" pitchFamily="34" charset="0"/>
+                <a:ea typeface="Segoe UI" panose="020B0502040204020203" pitchFamily="34" charset="0"/>
+                <a:cs typeface="Segoe UI" panose="020B0502040204020203" pitchFamily="34" charset="0"/>
+              </a:rPr>
+              <a:t>ProxyTypes</a:t>
+            </a:r>
+            <a:r>
+              <a:rPr lang="en-US" sz="1600" dirty="0">
+                <a:solidFill>
+                  <a:schemeClr val="bg1"/>
+                </a:solidFill>
+                <a:latin typeface="Segoe UI" panose="020B0502040204020203" pitchFamily="34" charset="0"/>
+                <a:ea typeface="Segoe UI" panose="020B0502040204020203" pitchFamily="34" charset="0"/>
+                <a:cs typeface="Segoe UI" panose="020B0502040204020203" pitchFamily="34" charset="0"/>
+              </a:rPr>
+              <a:t> project from </a:t>
+            </a:r>
+            <a:r>
+              <a:rPr lang="en-US" sz="1600" dirty="0" err="1">
+                <a:solidFill>
+                  <a:schemeClr val="bg1"/>
+                </a:solidFill>
+                <a:latin typeface="Segoe UI" panose="020B0502040204020203" pitchFamily="34" charset="0"/>
+                <a:ea typeface="Segoe UI" panose="020B0502040204020203" pitchFamily="34" charset="0"/>
+                <a:cs typeface="Segoe UI" panose="020B0502040204020203" pitchFamily="34" charset="0"/>
+              </a:rPr>
+              <a:t>DynamicsCrm.DevKit</a:t>
+            </a:r>
+            <a:endParaRPr lang="en-US" sz="1600" dirty="0">
+              <a:solidFill>
+                <a:schemeClr val="bg1"/>
+              </a:solidFill>
+              <a:latin typeface="Segoe UI" panose="020B0502040204020203" pitchFamily="34" charset="0"/>
+              <a:ea typeface="Segoe UI" panose="020B0502040204020203" pitchFamily="34" charset="0"/>
+              <a:cs typeface="Segoe UI" panose="020B0502040204020203" pitchFamily="34" charset="0"/>
+            </a:endParaRPr>
+          </a:p>
+          <a:p>
+            <a:pPr marL="285750" indent="-285750" defTabSz="405282" fontAlgn="base">
+              <a:lnSpc>
+                <a:spcPct val="150000"/>
+              </a:lnSpc>
+              <a:spcBef>
+                <a:spcPct val="0"/>
+              </a:spcBef>
+              <a:spcAft>
+                <a:spcPct val="0"/>
+              </a:spcAft>
+              <a:buFont typeface="Arial" panose="020B0604020202020204" pitchFamily="34" charset="0"/>
+              <a:buChar char="•"/>
+              <a:defRPr/>
+            </a:pPr>
+            <a:r>
+              <a:rPr lang="en-US" sz="1600" dirty="0">
+                <a:solidFill>
+                  <a:schemeClr val="bg1"/>
+                </a:solidFill>
+                <a:latin typeface="Segoe UI" panose="020B0502040204020203" pitchFamily="34" charset="0"/>
+                <a:ea typeface="Segoe UI" panose="020B0502040204020203" pitchFamily="34" charset="0"/>
+                <a:cs typeface="Segoe UI" panose="020B0502040204020203" pitchFamily="34" charset="0"/>
+              </a:rPr>
+              <a:t>Create Test project from </a:t>
+            </a:r>
+            <a:r>
+              <a:rPr lang="en-US" sz="1600" dirty="0" err="1">
+                <a:solidFill>
+                  <a:schemeClr val="bg1"/>
+                </a:solidFill>
+                <a:latin typeface="Segoe UI" panose="020B0502040204020203" pitchFamily="34" charset="0"/>
+                <a:ea typeface="Segoe UI" panose="020B0502040204020203" pitchFamily="34" charset="0"/>
+                <a:cs typeface="Segoe UI" panose="020B0502040204020203" pitchFamily="34" charset="0"/>
+              </a:rPr>
+              <a:t>DynamicsCrm.DevKit</a:t>
+            </a:r>
+            <a:endParaRPr lang="en-US" sz="1600" dirty="0">
+              <a:solidFill>
+                <a:schemeClr val="bg1"/>
+              </a:solidFill>
+              <a:latin typeface="Segoe UI" panose="020B0502040204020203" pitchFamily="34" charset="0"/>
+              <a:ea typeface="Segoe UI" panose="020B0502040204020203" pitchFamily="34" charset="0"/>
+              <a:cs typeface="Segoe UI" panose="020B0502040204020203" pitchFamily="34" charset="0"/>
+            </a:endParaRPr>
+          </a:p>
+          <a:p>
+            <a:pPr marL="285750" indent="-285750" defTabSz="405282" fontAlgn="base">
+              <a:lnSpc>
+                <a:spcPct val="150000"/>
+              </a:lnSpc>
+              <a:spcBef>
+                <a:spcPct val="0"/>
+              </a:spcBef>
+              <a:spcAft>
+                <a:spcPct val="0"/>
+              </a:spcAft>
+              <a:buFont typeface="Arial" panose="020B0604020202020204" pitchFamily="34" charset="0"/>
+              <a:buChar char="•"/>
+              <a:defRPr/>
+            </a:pPr>
+            <a:r>
+              <a:rPr lang="en-US" sz="1600" dirty="0">
+                <a:solidFill>
+                  <a:schemeClr val="bg1"/>
+                </a:solidFill>
+                <a:latin typeface="Segoe UI" panose="020B0502040204020203" pitchFamily="34" charset="0"/>
+                <a:ea typeface="Segoe UI" panose="020B0502040204020203" pitchFamily="34" charset="0"/>
+                <a:cs typeface="Segoe UI" panose="020B0502040204020203" pitchFamily="34" charset="0"/>
+              </a:rPr>
+              <a:t>Create class from the plugin project from </a:t>
+            </a:r>
+            <a:r>
+              <a:rPr lang="en-US" sz="1600" dirty="0" err="1">
+                <a:solidFill>
+                  <a:schemeClr val="bg1"/>
+                </a:solidFill>
+                <a:latin typeface="Segoe UI" panose="020B0502040204020203" pitchFamily="34" charset="0"/>
+                <a:ea typeface="Segoe UI" panose="020B0502040204020203" pitchFamily="34" charset="0"/>
+                <a:cs typeface="Segoe UI" panose="020B0502040204020203" pitchFamily="34" charset="0"/>
+              </a:rPr>
+              <a:t>DynamicsCrm.DevKit</a:t>
+            </a:r>
+            <a:endParaRPr lang="en-US" sz="1600" dirty="0">
+              <a:solidFill>
+                <a:schemeClr val="bg1"/>
+              </a:solidFill>
+              <a:latin typeface="Segoe UI" panose="020B0502040204020203" pitchFamily="34" charset="0"/>
+              <a:ea typeface="Segoe UI" panose="020B0502040204020203" pitchFamily="34" charset="0"/>
+              <a:cs typeface="Segoe UI" panose="020B0502040204020203" pitchFamily="34" charset="0"/>
+            </a:endParaRPr>
+          </a:p>
+          <a:p>
+            <a:pPr marL="285750" indent="-285750" defTabSz="405282" fontAlgn="base">
+              <a:lnSpc>
+                <a:spcPct val="150000"/>
+              </a:lnSpc>
+              <a:spcBef>
+                <a:spcPct val="0"/>
+              </a:spcBef>
+              <a:spcAft>
+                <a:spcPct val="0"/>
+              </a:spcAft>
+              <a:buFont typeface="Arial" panose="020B0604020202020204" pitchFamily="34" charset="0"/>
+              <a:buChar char="•"/>
+              <a:defRPr/>
+            </a:pPr>
+            <a:r>
+              <a:rPr lang="en-US" sz="1600" dirty="0">
+                <a:solidFill>
+                  <a:schemeClr val="bg1"/>
+                </a:solidFill>
+                <a:latin typeface="Segoe UI" panose="020B0502040204020203" pitchFamily="34" charset="0"/>
+                <a:ea typeface="Segoe UI" panose="020B0502040204020203" pitchFamily="34" charset="0"/>
+                <a:cs typeface="Segoe UI" panose="020B0502040204020203" pitchFamily="34" charset="0"/>
+              </a:rPr>
+              <a:t>(Learn) Write your first unit test</a:t>
+            </a:r>
+          </a:p>
           <a:p>
             <a:pPr marL="285750" indent="-285750" defTabSz="405282" fontAlgn="base">
               <a:lnSpc>
@@ -10938,46 +11792,245 @@
           </a:p>
         </p:txBody>
       </p:sp>
-      <p:pic>
-        <p:nvPicPr>
-          <p:cNvPr id="9" name="Picture 8">
-            <a:extLst>
-              <a:ext uri="{FF2B5EF4-FFF2-40B4-BE49-F238E27FC236}">
-                <a16:creationId xmlns:a16="http://schemas.microsoft.com/office/drawing/2014/main" id="{2B4C9FA9-B0FB-4179-AEF7-14D1972318D1}"/>
-              </a:ext>
-            </a:extLst>
-          </p:cNvPr>
-          <p:cNvPicPr>
-            <a:picLocks noChangeAspect="1"/>
-          </p:cNvPicPr>
-          <p:nvPr/>
-        </p:nvPicPr>
-        <p:blipFill>
-          <a:blip r:embed="rId2"/>
-          <a:stretch>
-            <a:fillRect/>
-          </a:stretch>
-        </p:blipFill>
-        <p:spPr>
-          <a:xfrm>
-            <a:off x="3094025" y="1439318"/>
-            <a:ext cx="4784750" cy="3278793"/>
-          </a:xfrm>
-          <a:prstGeom prst="rect">
-            <a:avLst/>
-          </a:prstGeom>
-        </p:spPr>
-      </p:pic>
     </p:spTree>
     <p:extLst>
       <p:ext uri="{BB962C8B-B14F-4D97-AF65-F5344CB8AC3E}">
-        <p14:creationId xmlns:p14="http://schemas.microsoft.com/office/powerpoint/2010/main" val="2890342142"/>
+        <p14:creationId xmlns:p14="http://schemas.microsoft.com/office/powerpoint/2010/main" val="690647965"/>
       </p:ext>
     </p:extLst>
   </p:cSld>
   <p:clrMapOvr>
     <a:masterClrMapping/>
   </p:clrMapOvr>
+  <p:timing>
+    <p:tnLst>
+      <p:par>
+        <p:cTn id="1" dur="indefinite" restart="never" nodeType="tmRoot">
+          <p:childTnLst>
+            <p:seq concurrent="1" nextAc="seek">
+              <p:cTn id="2" dur="indefinite" nodeType="mainSeq">
+                <p:childTnLst>
+                  <p:par>
+                    <p:cTn id="3" fill="hold">
+                      <p:stCondLst>
+                        <p:cond delay="indefinite"/>
+                      </p:stCondLst>
+                      <p:childTnLst>
+                        <p:par>
+                          <p:cTn id="4" fill="hold">
+                            <p:stCondLst>
+                              <p:cond delay="0"/>
+                            </p:stCondLst>
+                            <p:childTnLst>
+                              <p:par>
+                                <p:cTn id="5" presetID="1" presetClass="entr" presetSubtype="0" fill="hold" grpId="0" nodeType="clickEffect">
+                                  <p:stCondLst>
+                                    <p:cond delay="0"/>
+                                  </p:stCondLst>
+                                  <p:childTnLst>
+                                    <p:set>
+                                      <p:cBhvr>
+                                        <p:cTn id="6" dur="1" fill="hold">
+                                          <p:stCondLst>
+                                            <p:cond delay="0"/>
+                                          </p:stCondLst>
+                                        </p:cTn>
+                                        <p:tgtEl>
+                                          <p:spTgt spid="10">
+                                            <p:txEl>
+                                              <p:pRg st="0" end="0"/>
+                                            </p:txEl>
+                                          </p:spTgt>
+                                        </p:tgtEl>
+                                        <p:attrNameLst>
+                                          <p:attrName>style.visibility</p:attrName>
+                                        </p:attrNameLst>
+                                      </p:cBhvr>
+                                      <p:to>
+                                        <p:strVal val="visible"/>
+                                      </p:to>
+                                    </p:set>
+                                  </p:childTnLst>
+                                </p:cTn>
+                              </p:par>
+                            </p:childTnLst>
+                          </p:cTn>
+                        </p:par>
+                      </p:childTnLst>
+                    </p:cTn>
+                  </p:par>
+                  <p:par>
+                    <p:cTn id="7" fill="hold">
+                      <p:stCondLst>
+                        <p:cond delay="indefinite"/>
+                      </p:stCondLst>
+                      <p:childTnLst>
+                        <p:par>
+                          <p:cTn id="8" fill="hold">
+                            <p:stCondLst>
+                              <p:cond delay="0"/>
+                            </p:stCondLst>
+                            <p:childTnLst>
+                              <p:par>
+                                <p:cTn id="9" presetID="1" presetClass="entr" presetSubtype="0" fill="hold" grpId="0" nodeType="clickEffect">
+                                  <p:stCondLst>
+                                    <p:cond delay="0"/>
+                                  </p:stCondLst>
+                                  <p:childTnLst>
+                                    <p:set>
+                                      <p:cBhvr>
+                                        <p:cTn id="10" dur="1" fill="hold">
+                                          <p:stCondLst>
+                                            <p:cond delay="0"/>
+                                          </p:stCondLst>
+                                        </p:cTn>
+                                        <p:tgtEl>
+                                          <p:spTgt spid="10">
+                                            <p:txEl>
+                                              <p:pRg st="1" end="1"/>
+                                            </p:txEl>
+                                          </p:spTgt>
+                                        </p:tgtEl>
+                                        <p:attrNameLst>
+                                          <p:attrName>style.visibility</p:attrName>
+                                        </p:attrNameLst>
+                                      </p:cBhvr>
+                                      <p:to>
+                                        <p:strVal val="visible"/>
+                                      </p:to>
+                                    </p:set>
+                                  </p:childTnLst>
+                                </p:cTn>
+                              </p:par>
+                            </p:childTnLst>
+                          </p:cTn>
+                        </p:par>
+                      </p:childTnLst>
+                    </p:cTn>
+                  </p:par>
+                  <p:par>
+                    <p:cTn id="11" fill="hold">
+                      <p:stCondLst>
+                        <p:cond delay="indefinite"/>
+                      </p:stCondLst>
+                      <p:childTnLst>
+                        <p:par>
+                          <p:cTn id="12" fill="hold">
+                            <p:stCondLst>
+                              <p:cond delay="0"/>
+                            </p:stCondLst>
+                            <p:childTnLst>
+                              <p:par>
+                                <p:cTn id="13" presetID="1" presetClass="entr" presetSubtype="0" fill="hold" grpId="0" nodeType="clickEffect">
+                                  <p:stCondLst>
+                                    <p:cond delay="0"/>
+                                  </p:stCondLst>
+                                  <p:childTnLst>
+                                    <p:set>
+                                      <p:cBhvr>
+                                        <p:cTn id="14" dur="1" fill="hold">
+                                          <p:stCondLst>
+                                            <p:cond delay="0"/>
+                                          </p:stCondLst>
+                                        </p:cTn>
+                                        <p:tgtEl>
+                                          <p:spTgt spid="10">
+                                            <p:txEl>
+                                              <p:pRg st="2" end="2"/>
+                                            </p:txEl>
+                                          </p:spTgt>
+                                        </p:tgtEl>
+                                        <p:attrNameLst>
+                                          <p:attrName>style.visibility</p:attrName>
+                                        </p:attrNameLst>
+                                      </p:cBhvr>
+                                      <p:to>
+                                        <p:strVal val="visible"/>
+                                      </p:to>
+                                    </p:set>
+                                  </p:childTnLst>
+                                </p:cTn>
+                              </p:par>
+                            </p:childTnLst>
+                          </p:cTn>
+                        </p:par>
+                      </p:childTnLst>
+                    </p:cTn>
+                  </p:par>
+                  <p:par>
+                    <p:cTn id="15" fill="hold">
+                      <p:stCondLst>
+                        <p:cond delay="indefinite"/>
+                      </p:stCondLst>
+                      <p:childTnLst>
+                        <p:par>
+                          <p:cTn id="16" fill="hold">
+                            <p:stCondLst>
+                              <p:cond delay="0"/>
+                            </p:stCondLst>
+                            <p:childTnLst>
+                              <p:par>
+                                <p:cTn id="17" presetID="1" presetClass="entr" presetSubtype="0" fill="hold" grpId="0" nodeType="clickEffect">
+                                  <p:stCondLst>
+                                    <p:cond delay="0"/>
+                                  </p:stCondLst>
+                                  <p:childTnLst>
+                                    <p:set>
+                                      <p:cBhvr>
+                                        <p:cTn id="18" dur="1" fill="hold">
+                                          <p:stCondLst>
+                                            <p:cond delay="0"/>
+                                          </p:stCondLst>
+                                        </p:cTn>
+                                        <p:tgtEl>
+                                          <p:spTgt spid="10">
+                                            <p:txEl>
+                                              <p:pRg st="3" end="3"/>
+                                            </p:txEl>
+                                          </p:spTgt>
+                                        </p:tgtEl>
+                                        <p:attrNameLst>
+                                          <p:attrName>style.visibility</p:attrName>
+                                        </p:attrNameLst>
+                                      </p:cBhvr>
+                                      <p:to>
+                                        <p:strVal val="visible"/>
+                                      </p:to>
+                                    </p:set>
+                                  </p:childTnLst>
+                                </p:cTn>
+                              </p:par>
+                            </p:childTnLst>
+                          </p:cTn>
+                        </p:par>
+                      </p:childTnLst>
+                    </p:cTn>
+                  </p:par>
+                </p:childTnLst>
+              </p:cTn>
+              <p:prevCondLst>
+                <p:cond evt="onPrev" delay="0">
+                  <p:tgtEl>
+                    <p:sldTgt/>
+                  </p:tgtEl>
+                </p:cond>
+              </p:prevCondLst>
+              <p:nextCondLst>
+                <p:cond evt="onNext" delay="0">
+                  <p:tgtEl>
+                    <p:sldTgt/>
+                  </p:tgtEl>
+                </p:cond>
+              </p:nextCondLst>
+            </p:seq>
+          </p:childTnLst>
+        </p:cTn>
+      </p:par>
+    </p:tnLst>
+    <p:bldLst>
+      <p:bldP spid="10" grpId="0" build="p"/>
+    </p:bldLst>
+  </p:timing>
 </p:sld>
 </file>
 
@@ -11387,8 +12440,8 @@
         </p:nvSpPr>
         <p:spPr bwMode="auto">
           <a:xfrm>
-            <a:off x="783773" y="1297238"/>
-            <a:ext cx="10419182" cy="1839411"/>
+            <a:off x="301359" y="107643"/>
+            <a:ext cx="9890265" cy="896247"/>
           </a:xfrm>
           <a:prstGeom prst="rect">
             <a:avLst/>
@@ -11424,7 +12477,7 @@
           </a:bodyPr>
           <a:lstStyle/>
           <a:p>
-            <a:pPr algn="ctr" defTabSz="405282" fontAlgn="base">
+            <a:pPr defTabSz="405282" fontAlgn="base">
               <a:lnSpc>
                 <a:spcPct val="150000"/>
               </a:lnSpc>
@@ -11437,7 +12490,7 @@
               <a:defRPr/>
             </a:pPr>
             <a:r>
-              <a:rPr lang="en-US" sz="8000" dirty="0">
+              <a:rPr lang="en-US" sz="3600" b="1" dirty="0">
                 <a:solidFill>
                   <a:schemeClr val="bg1"/>
                 </a:solidFill>
@@ -11445,11 +12498,11 @@
                 <a:ea typeface="Segoe UI" pitchFamily="34" charset="0"/>
                 <a:cs typeface="Segoe UI"/>
               </a:rPr>
-              <a:t>DEMO with DynamicsCrm.DevKit</a:t>
-            </a:r>
-            <a:endParaRPr lang="en-US" sz="8000" b="1" dirty="0">
+              <a:t>Screenshots</a:t>
+            </a:r>
+            <a:endParaRPr lang="en-US" sz="2800" dirty="0">
               <a:solidFill>
-                <a:schemeClr val="bg1"/>
+                <a:srgbClr val="FF0000"/>
               </a:solidFill>
               <a:latin typeface="Segoe UI"/>
               <a:ea typeface="Segoe UI" pitchFamily="34" charset="0"/>
@@ -11458,83 +12511,12 @@
           </a:p>
         </p:txBody>
       </p:sp>
-      <p:pic>
-        <p:nvPicPr>
-          <p:cNvPr id="2" name="Picture 1">
+      <p:sp>
+        <p:nvSpPr>
+          <p:cNvPr id="10" name="Rectangle 9">
             <a:extLst>
               <a:ext uri="{FF2B5EF4-FFF2-40B4-BE49-F238E27FC236}">
-                <a16:creationId xmlns:a16="http://schemas.microsoft.com/office/drawing/2014/main" id="{5CF797A5-542B-4807-98EA-F8615CCB37A4}"/>
-              </a:ext>
-            </a:extLst>
-          </p:cNvPr>
-          <p:cNvPicPr>
-            <a:picLocks noChangeAspect="1"/>
-          </p:cNvPicPr>
-          <p:nvPr/>
-        </p:nvPicPr>
-        <p:blipFill rotWithShape="1">
-          <a:blip r:embed="rId2" cstate="screen">
-            <a:extLst>
-              <a:ext uri="{28A0092B-C50C-407E-A947-70E740481C1C}">
-                <a14:useLocalDpi xmlns:a14="http://schemas.microsoft.com/office/drawing/2010/main"/>
-              </a:ext>
-            </a:extLst>
-          </a:blip>
-          <a:srcRect/>
-          <a:stretch/>
-        </p:blipFill>
-        <p:spPr>
-          <a:xfrm>
-            <a:off x="213678" y="266383"/>
-            <a:ext cx="1310322" cy="279354"/>
-          </a:xfrm>
-          <a:prstGeom prst="rect">
-            <a:avLst/>
-          </a:prstGeom>
-        </p:spPr>
-      </p:pic>
-      <p:pic>
-        <p:nvPicPr>
-          <p:cNvPr id="4" name="Picture 3" descr="A picture containing drawing&#10;&#10;Description automatically generated">
-            <a:extLst>
-              <a:ext uri="{FF2B5EF4-FFF2-40B4-BE49-F238E27FC236}">
-                <a16:creationId xmlns:a16="http://schemas.microsoft.com/office/drawing/2014/main" id="{C4F86888-EBCD-42E6-AE94-6D294F944428}"/>
-              </a:ext>
-            </a:extLst>
-          </p:cNvPr>
-          <p:cNvPicPr>
-            <a:picLocks noChangeAspect="1"/>
-          </p:cNvPicPr>
-          <p:nvPr/>
-        </p:nvPicPr>
-        <p:blipFill>
-          <a:blip r:embed="rId3">
-            <a:extLst>
-              <a:ext uri="{28A0092B-C50C-407E-A947-70E740481C1C}">
-                <a14:useLocalDpi xmlns:a14="http://schemas.microsoft.com/office/drawing/2010/main" val="0"/>
-              </a:ext>
-            </a:extLst>
-          </a:blip>
-          <a:stretch>
-            <a:fillRect/>
-          </a:stretch>
-        </p:blipFill>
-        <p:spPr>
-          <a:xfrm>
-            <a:off x="8814972" y="262248"/>
-            <a:ext cx="339109" cy="339109"/>
-          </a:xfrm>
-          <a:prstGeom prst="rect">
-            <a:avLst/>
-          </a:prstGeom>
-        </p:spPr>
-      </p:pic>
-      <p:sp>
-        <p:nvSpPr>
-          <p:cNvPr id="5" name="Rectangle 4">
-            <a:extLst>
-              <a:ext uri="{FF2B5EF4-FFF2-40B4-BE49-F238E27FC236}">
-                <a16:creationId xmlns:a16="http://schemas.microsoft.com/office/drawing/2014/main" id="{B753ED0F-265E-4A8D-9C50-0F7EDED851F0}"/>
+                <a16:creationId xmlns:a16="http://schemas.microsoft.com/office/drawing/2014/main" id="{048CC64F-23A4-43AD-B633-E7B8A892701F}"/>
               </a:ext>
             </a:extLst>
           </p:cNvPr>
@@ -11543,8 +12525,8 @@
         </p:nvSpPr>
         <p:spPr bwMode="auto">
           <a:xfrm>
-            <a:off x="9122024" y="231641"/>
-            <a:ext cx="2954983" cy="470950"/>
+            <a:off x="720969" y="912449"/>
+            <a:ext cx="10754448" cy="5379350"/>
           </a:xfrm>
           <a:prstGeom prst="rect">
             <a:avLst/>
@@ -11572,7 +12554,7 @@
           </a:fontRef>
         </p:style>
         <p:txBody>
-          <a:bodyPr rot="0" spcFirstLastPara="0" vertOverflow="overflow" horzOverflow="overflow" vert="horz" wrap="square" lIns="0" tIns="0" rIns="0" bIns="0" numCol="1" spcCol="0" rtlCol="0" fromWordArt="0" anchor="ctr" anchorCtr="0" forceAA="0" compatLnSpc="1">
+          <a:bodyPr rot="0" spcFirstLastPara="0" vertOverflow="overflow" horzOverflow="overflow" vert="horz" wrap="square" lIns="0" tIns="0" rIns="0" bIns="0" numCol="1" spcCol="0" rtlCol="0" fromWordArt="0" anchor="t" anchorCtr="0" forceAA="0" compatLnSpc="1">
             <a:prstTxWarp prst="textNoShape">
               <a:avLst/>
             </a:prstTxWarp>
@@ -11580,41 +12562,89 @@
           </a:bodyPr>
           <a:lstStyle/>
           <a:p>
-            <a:pPr algn="ctr" defTabSz="405282" fontAlgn="base">
+            <a:pPr marL="285750" indent="-285750" defTabSz="405282" fontAlgn="base">
+              <a:lnSpc>
+                <a:spcPct val="150000"/>
+              </a:lnSpc>
               <a:spcBef>
                 <a:spcPct val="0"/>
               </a:spcBef>
               <a:spcAft>
                 <a:spcPct val="0"/>
               </a:spcAft>
+              <a:buFont typeface="Arial" panose="020B0604020202020204" pitchFamily="34" charset="0"/>
+              <a:buChar char="•"/>
               <a:defRPr/>
             </a:pPr>
-            <a:r>
-              <a:rPr lang="en-US" sz="1400" dirty="0">
-                <a:solidFill>
-                  <a:schemeClr val="bg1"/>
-                </a:solidFill>
-                <a:latin typeface="Segoe UI Semibold"/>
-                <a:ea typeface="Segoe UI" pitchFamily="34" charset="0"/>
-                <a:cs typeface="Segoe UI"/>
-              </a:rPr>
-              <a:t>/Dynamics365CommunityVietnam</a:t>
-            </a:r>
-            <a:endParaRPr lang="en-US" sz="1400" dirty="0">
+            <a:endParaRPr lang="en-US" sz="1600" dirty="0">
               <a:solidFill>
                 <a:schemeClr val="bg1"/>
               </a:solidFill>
-              <a:latin typeface="Segoe UI Semibold"/>
-              <a:ea typeface="Segoe UI" pitchFamily="34" charset="0"/>
-              <a:cs typeface="Segoe UI" pitchFamily="34" charset="0"/>
+              <a:latin typeface="Segoe UI" panose="020B0502040204020203" pitchFamily="34" charset="0"/>
+              <a:ea typeface="Segoe UI" panose="020B0502040204020203" pitchFamily="34" charset="0"/>
+              <a:cs typeface="Segoe UI" panose="020B0502040204020203" pitchFamily="34" charset="0"/>
             </a:endParaRPr>
           </a:p>
-        </p:txBody>
-      </p:sp>
+          <a:p>
+            <a:pPr marL="285750" indent="-285750" defTabSz="405282" fontAlgn="base">
+              <a:lnSpc>
+                <a:spcPct val="150000"/>
+              </a:lnSpc>
+              <a:spcBef>
+                <a:spcPct val="0"/>
+              </a:spcBef>
+              <a:spcAft>
+                <a:spcPct val="0"/>
+              </a:spcAft>
+              <a:buFont typeface="Arial" panose="020B0604020202020204" pitchFamily="34" charset="0"/>
+              <a:buChar char="•"/>
+              <a:defRPr/>
+            </a:pPr>
+            <a:endParaRPr lang="en-US" sz="1600" dirty="0">
+              <a:solidFill>
+                <a:schemeClr val="bg1"/>
+              </a:solidFill>
+              <a:latin typeface="Segoe UI" panose="020B0502040204020203" pitchFamily="34" charset="0"/>
+              <a:ea typeface="Segoe UI" panose="020B0502040204020203" pitchFamily="34" charset="0"/>
+              <a:cs typeface="Segoe UI" panose="020B0502040204020203" pitchFamily="34" charset="0"/>
+            </a:endParaRPr>
+          </a:p>
+        </p:txBody>
+      </p:sp>
+      <p:pic>
+        <p:nvPicPr>
+          <p:cNvPr id="9" name="Picture 8">
+            <a:extLst>
+              <a:ext uri="{FF2B5EF4-FFF2-40B4-BE49-F238E27FC236}">
+                <a16:creationId xmlns:a16="http://schemas.microsoft.com/office/drawing/2014/main" id="{2B4C9FA9-B0FB-4179-AEF7-14D1972318D1}"/>
+              </a:ext>
+            </a:extLst>
+          </p:cNvPr>
+          <p:cNvPicPr>
+            <a:picLocks noChangeAspect="1"/>
+          </p:cNvPicPr>
+          <p:nvPr/>
+        </p:nvPicPr>
+        <p:blipFill>
+          <a:blip r:embed="rId2"/>
+          <a:stretch>
+            <a:fillRect/>
+          </a:stretch>
+        </p:blipFill>
+        <p:spPr>
+          <a:xfrm>
+            <a:off x="3094025" y="1439318"/>
+            <a:ext cx="4784750" cy="3278793"/>
+          </a:xfrm>
+          <a:prstGeom prst="rect">
+            <a:avLst/>
+          </a:prstGeom>
+        </p:spPr>
+      </p:pic>
     </p:spTree>
     <p:extLst>
       <p:ext uri="{BB962C8B-B14F-4D97-AF65-F5344CB8AC3E}">
-        <p14:creationId xmlns:p14="http://schemas.microsoft.com/office/powerpoint/2010/main" val="3521449640"/>
+        <p14:creationId xmlns:p14="http://schemas.microsoft.com/office/powerpoint/2010/main" val="2890342142"/>
       </p:ext>
     </p:extLst>
   </p:cSld>
@@ -12030,8 +13060,8 @@
         </p:nvSpPr>
         <p:spPr bwMode="auto">
           <a:xfrm>
-            <a:off x="2025948" y="1851552"/>
-            <a:ext cx="7377095" cy="1839411"/>
+            <a:off x="783773" y="1297238"/>
+            <a:ext cx="10419182" cy="1839411"/>
           </a:xfrm>
           <a:prstGeom prst="rect">
             <a:avLst/>
@@ -12088,7 +13118,7 @@
                 <a:ea typeface="Segoe UI" pitchFamily="34" charset="0"/>
                 <a:cs typeface="Segoe UI"/>
               </a:rPr>
-              <a:t>Q &amp; A</a:t>
+              <a:t>DEMO with DynamicsCrm.DevKit</a:t>
             </a:r>
             <a:endParaRPr lang="en-US" sz="8000" b="1" dirty="0">
               <a:solidFill>
@@ -12257,7 +13287,7 @@
     </p:spTree>
     <p:extLst>
       <p:ext uri="{BB962C8B-B14F-4D97-AF65-F5344CB8AC3E}">
-        <p14:creationId xmlns:p14="http://schemas.microsoft.com/office/powerpoint/2010/main" val="2102484620"/>
+        <p14:creationId xmlns:p14="http://schemas.microsoft.com/office/powerpoint/2010/main" val="3521449640"/>
       </p:ext>
     </p:extLst>
   </p:cSld>
@@ -12673,8 +13703,8 @@
         </p:nvSpPr>
         <p:spPr bwMode="auto">
           <a:xfrm>
-            <a:off x="2286340" y="1697082"/>
-            <a:ext cx="7377095" cy="2317799"/>
+            <a:off x="2025948" y="1851552"/>
+            <a:ext cx="7377095" cy="1839411"/>
           </a:xfrm>
           <a:prstGeom prst="rect">
             <a:avLst/>
@@ -12723,7 +13753,7 @@
               <a:defRPr/>
             </a:pPr>
             <a:r>
-              <a:rPr lang="en-US" sz="9600" dirty="0">
+              <a:rPr lang="en-US" sz="8000" dirty="0">
                 <a:solidFill>
                   <a:schemeClr val="bg1"/>
                 </a:solidFill>
@@ -12731,9 +13761,9 @@
                 <a:ea typeface="Segoe UI" pitchFamily="34" charset="0"/>
                 <a:cs typeface="Segoe UI"/>
               </a:rPr>
-              <a:t>THANK YOU!</a:t>
-            </a:r>
-            <a:endParaRPr lang="en-US" sz="9600" b="1" dirty="0">
+              <a:t>Q &amp; A</a:t>
+            </a:r>
+            <a:endParaRPr lang="en-US" sz="8000" b="1" dirty="0">
               <a:solidFill>
                 <a:schemeClr val="bg1"/>
               </a:solidFill>
@@ -12746,10 +13776,10 @@
       </p:sp>
       <p:pic>
         <p:nvPicPr>
-          <p:cNvPr id="4" name="Picture 3">
+          <p:cNvPr id="2" name="Picture 1">
             <a:extLst>
               <a:ext uri="{FF2B5EF4-FFF2-40B4-BE49-F238E27FC236}">
-                <a16:creationId xmlns:a16="http://schemas.microsoft.com/office/drawing/2014/main" id="{DB82DB2E-16CB-4ECF-ACA3-B2AD3598598D}"/>
+                <a16:creationId xmlns:a16="http://schemas.microsoft.com/office/drawing/2014/main" id="{5CF797A5-542B-4807-98EA-F8615CCB37A4}"/>
               </a:ext>
             </a:extLst>
           </p:cNvPr>
@@ -12781,10 +13811,10 @@
       </p:pic>
       <p:pic>
         <p:nvPicPr>
-          <p:cNvPr id="5" name="Picture 4" descr="A picture containing drawing&#10;&#10;Description automatically generated">
+          <p:cNvPr id="4" name="Picture 3" descr="A picture containing drawing&#10;&#10;Description automatically generated">
             <a:extLst>
               <a:ext uri="{FF2B5EF4-FFF2-40B4-BE49-F238E27FC236}">
-                <a16:creationId xmlns:a16="http://schemas.microsoft.com/office/drawing/2014/main" id="{EA425476-5861-417B-B35F-11E52EB16FDF}"/>
+                <a16:creationId xmlns:a16="http://schemas.microsoft.com/office/drawing/2014/main" id="{C4F86888-EBCD-42E6-AE94-6D294F944428}"/>
               </a:ext>
             </a:extLst>
           </p:cNvPr>
@@ -12817,10 +13847,10 @@
       </p:pic>
       <p:sp>
         <p:nvSpPr>
-          <p:cNvPr id="6" name="Rectangle 5">
+          <p:cNvPr id="5" name="Rectangle 4">
             <a:extLst>
               <a:ext uri="{FF2B5EF4-FFF2-40B4-BE49-F238E27FC236}">
-                <a16:creationId xmlns:a16="http://schemas.microsoft.com/office/drawing/2014/main" id="{6D02373D-5730-413C-BC44-6E27BBF6BF7E}"/>
+                <a16:creationId xmlns:a16="http://schemas.microsoft.com/office/drawing/2014/main" id="{B753ED0F-265E-4A8D-9C50-0F7EDED851F0}"/>
               </a:ext>
             </a:extLst>
           </p:cNvPr>
@@ -12900,7 +13930,7 @@
     </p:spTree>
     <p:extLst>
       <p:ext uri="{BB962C8B-B14F-4D97-AF65-F5344CB8AC3E}">
-        <p14:creationId xmlns:p14="http://schemas.microsoft.com/office/powerpoint/2010/main" val="2199273689"/>
+        <p14:creationId xmlns:p14="http://schemas.microsoft.com/office/powerpoint/2010/main" val="2102484620"/>
       </p:ext>
     </p:extLst>
   </p:cSld>
